--- a/pictures/files/pictures.pptx
+++ b/pictures/files/pictures.pptx
@@ -7,6 +7,8 @@
   <p:sldIdLst>
     <p:sldId id="256" r:id="rId2"/>
     <p:sldId id="257" r:id="rId3"/>
+    <p:sldId id="258" r:id="rId4"/>
+    <p:sldId id="259" r:id="rId5"/>
   </p:sldIdLst>
   <p:sldSz cx="12192000" cy="6858000"/>
   <p:notesSz cx="6858000" cy="9144000"/>
@@ -105,6 +107,11 @@
       </a:defRPr>
     </a:lvl9pPr>
   </p:defaultTextStyle>
+  <p:extLst>
+    <p:ext uri="{EFAFB233-063F-42B5-8137-9DF3F51BA10A}">
+      <p15:sldGuideLst xmlns:p15="http://schemas.microsoft.com/office/powerpoint/2012/main"/>
+    </p:ext>
+  </p:extLst>
 </p:presentation>
 </file>
 
@@ -255,7 +262,7 @@
           <a:p>
             <a:fld id="{D676F7C8-E886-4F70-96F6-EEF8993F7E2A}" type="datetimeFigureOut">
               <a:rPr lang="he-IL" smtClean="0"/>
-              <a:t>ו'/אייר/תשפ"ב</a:t>
+              <a:t>י"ח/אייר/תשפ"ב</a:t>
             </a:fld>
             <a:endParaRPr lang="he-IL"/>
           </a:p>
@@ -453,7 +460,7 @@
           <a:p>
             <a:fld id="{D676F7C8-E886-4F70-96F6-EEF8993F7E2A}" type="datetimeFigureOut">
               <a:rPr lang="he-IL" smtClean="0"/>
-              <a:t>ו'/אייר/תשפ"ב</a:t>
+              <a:t>י"ח/אייר/תשפ"ב</a:t>
             </a:fld>
             <a:endParaRPr lang="he-IL"/>
           </a:p>
@@ -661,7 +668,7 @@
           <a:p>
             <a:fld id="{D676F7C8-E886-4F70-96F6-EEF8993F7E2A}" type="datetimeFigureOut">
               <a:rPr lang="he-IL" smtClean="0"/>
-              <a:t>ו'/אייר/תשפ"ב</a:t>
+              <a:t>י"ח/אייר/תשפ"ב</a:t>
             </a:fld>
             <a:endParaRPr lang="he-IL"/>
           </a:p>
@@ -859,7 +866,7 @@
           <a:p>
             <a:fld id="{D676F7C8-E886-4F70-96F6-EEF8993F7E2A}" type="datetimeFigureOut">
               <a:rPr lang="he-IL" smtClean="0"/>
-              <a:t>ו'/אייר/תשפ"ב</a:t>
+              <a:t>י"ח/אייר/תשפ"ב</a:t>
             </a:fld>
             <a:endParaRPr lang="he-IL"/>
           </a:p>
@@ -1134,7 +1141,7 @@
           <a:p>
             <a:fld id="{D676F7C8-E886-4F70-96F6-EEF8993F7E2A}" type="datetimeFigureOut">
               <a:rPr lang="he-IL" smtClean="0"/>
-              <a:t>ו'/אייר/תשפ"ב</a:t>
+              <a:t>י"ח/אייר/תשפ"ב</a:t>
             </a:fld>
             <a:endParaRPr lang="he-IL"/>
           </a:p>
@@ -1399,7 +1406,7 @@
           <a:p>
             <a:fld id="{D676F7C8-E886-4F70-96F6-EEF8993F7E2A}" type="datetimeFigureOut">
               <a:rPr lang="he-IL" smtClean="0"/>
-              <a:t>ו'/אייר/תשפ"ב</a:t>
+              <a:t>י"ח/אייר/תשפ"ב</a:t>
             </a:fld>
             <a:endParaRPr lang="he-IL"/>
           </a:p>
@@ -1811,7 +1818,7 @@
           <a:p>
             <a:fld id="{D676F7C8-E886-4F70-96F6-EEF8993F7E2A}" type="datetimeFigureOut">
               <a:rPr lang="he-IL" smtClean="0"/>
-              <a:t>ו'/אייר/תשפ"ב</a:t>
+              <a:t>י"ח/אייר/תשפ"ב</a:t>
             </a:fld>
             <a:endParaRPr lang="he-IL"/>
           </a:p>
@@ -1952,7 +1959,7 @@
           <a:p>
             <a:fld id="{D676F7C8-E886-4F70-96F6-EEF8993F7E2A}" type="datetimeFigureOut">
               <a:rPr lang="he-IL" smtClean="0"/>
-              <a:t>ו'/אייר/תשפ"ב</a:t>
+              <a:t>י"ח/אייר/תשפ"ב</a:t>
             </a:fld>
             <a:endParaRPr lang="he-IL"/>
           </a:p>
@@ -2065,7 +2072,7 @@
           <a:p>
             <a:fld id="{D676F7C8-E886-4F70-96F6-EEF8993F7E2A}" type="datetimeFigureOut">
               <a:rPr lang="he-IL" smtClean="0"/>
-              <a:t>ו'/אייר/תשפ"ב</a:t>
+              <a:t>י"ח/אייר/תשפ"ב</a:t>
             </a:fld>
             <a:endParaRPr lang="he-IL"/>
           </a:p>
@@ -2376,7 +2383,7 @@
           <a:p>
             <a:fld id="{D676F7C8-E886-4F70-96F6-EEF8993F7E2A}" type="datetimeFigureOut">
               <a:rPr lang="he-IL" smtClean="0"/>
-              <a:t>ו'/אייר/תשפ"ב</a:t>
+              <a:t>י"ח/אייר/תשפ"ב</a:t>
             </a:fld>
             <a:endParaRPr lang="he-IL"/>
           </a:p>
@@ -2664,7 +2671,7 @@
           <a:p>
             <a:fld id="{D676F7C8-E886-4F70-96F6-EEF8993F7E2A}" type="datetimeFigureOut">
               <a:rPr lang="he-IL" smtClean="0"/>
-              <a:t>ו'/אייר/תשפ"ב</a:t>
+              <a:t>י"ח/אייר/תשפ"ב</a:t>
             </a:fld>
             <a:endParaRPr lang="he-IL"/>
           </a:p>
@@ -2905,7 +2912,7 @@
           <a:p>
             <a:fld id="{D676F7C8-E886-4F70-96F6-EEF8993F7E2A}" type="datetimeFigureOut">
               <a:rPr lang="he-IL" smtClean="0"/>
-              <a:t>ו'/אייר/תשפ"ב</a:t>
+              <a:t>י"ח/אייר/תשפ"ב</a:t>
             </a:fld>
             <a:endParaRPr lang="he-IL"/>
           </a:p>
@@ -3865,16 +3872,7 @@
                   </a:solidFill>
                   <a:latin typeface="Segoe Print" panose="02000600000000000000" pitchFamily="2" charset="0"/>
                 </a:rPr>
-                <a:t> Noam Cohen Maguri &amp; Shiri </a:t>
-              </a:r>
-              <a:r>
-                <a:rPr lang="en-US" b="1" dirty="0" err="1">
-                  <a:solidFill>
-                    <a:srgbClr val="F6A2AE"/>
-                  </a:solidFill>
-                  <a:latin typeface="Segoe Print" panose="02000600000000000000" pitchFamily="2" charset="0"/>
-                </a:rPr>
-                <a:t>Itach</a:t>
+                <a:t> Noam Cohen Maguri &amp; Shiri Itach</a:t>
               </a:r>
               <a:endParaRPr lang="he-IL" b="1" dirty="0">
                 <a:solidFill>
@@ -3994,6 +3992,573 @@
     <p:extLst>
       <p:ext uri="{BB962C8B-B14F-4D97-AF65-F5344CB8AC3E}">
         <p14:creationId xmlns:p14="http://schemas.microsoft.com/office/powerpoint/2010/main" val="23707877"/>
+      </p:ext>
+    </p:extLst>
+  </p:cSld>
+  <p:clrMapOvr>
+    <a:masterClrMapping/>
+  </p:clrMapOvr>
+</p:sld>
+</file>
+
+<file path=ppt/slides/slide3.xml><?xml version="1.0" encoding="utf-8"?>
+<p:sld xmlns:a="http://schemas.openxmlformats.org/drawingml/2006/main" xmlns:r="http://schemas.openxmlformats.org/officeDocument/2006/relationships" xmlns:p="http://schemas.openxmlformats.org/presentationml/2006/main">
+  <p:cSld>
+    <p:spTree>
+      <p:nvGrpSpPr>
+        <p:cNvPr id="1" name=""/>
+        <p:cNvGrpSpPr/>
+        <p:nvPr/>
+      </p:nvGrpSpPr>
+      <p:grpSpPr>
+        <a:xfrm>
+          <a:off x="0" y="0"/>
+          <a:ext cx="0" cy="0"/>
+          <a:chOff x="0" y="0"/>
+          <a:chExt cx="0" cy="0"/>
+        </a:xfrm>
+      </p:grpSpPr>
+      <p:grpSp>
+        <p:nvGrpSpPr>
+          <p:cNvPr id="20" name="קבוצה 19">
+            <a:extLst>
+              <a:ext uri="{FF2B5EF4-FFF2-40B4-BE49-F238E27FC236}">
+                <a16:creationId xmlns:a16="http://schemas.microsoft.com/office/drawing/2014/main" id="{D7AAD6ED-C30D-3605-427F-C5C681ED0CDF}"/>
+              </a:ext>
+            </a:extLst>
+          </p:cNvPr>
+          <p:cNvGrpSpPr/>
+          <p:nvPr/>
+        </p:nvGrpSpPr>
+        <p:grpSpPr>
+          <a:xfrm>
+            <a:off x="217714" y="788116"/>
+            <a:ext cx="11756571" cy="1171314"/>
+            <a:chOff x="217714" y="788116"/>
+            <a:chExt cx="11756571" cy="1171314"/>
+          </a:xfrm>
+        </p:grpSpPr>
+        <p:grpSp>
+          <p:nvGrpSpPr>
+            <p:cNvPr id="4" name="קבוצה 3">
+              <a:extLst>
+                <a:ext uri="{FF2B5EF4-FFF2-40B4-BE49-F238E27FC236}">
+                  <a16:creationId xmlns:a16="http://schemas.microsoft.com/office/drawing/2014/main" id="{1F2DDEB3-E1E3-D3FD-8701-AD21728249D5}"/>
+                </a:ext>
+              </a:extLst>
+            </p:cNvPr>
+            <p:cNvGrpSpPr/>
+            <p:nvPr/>
+          </p:nvGrpSpPr>
+          <p:grpSpPr>
+            <a:xfrm>
+              <a:off x="217714" y="788116"/>
+              <a:ext cx="11756571" cy="1171314"/>
+              <a:chOff x="-1" y="834769"/>
+              <a:chExt cx="11756571" cy="1171314"/>
+            </a:xfrm>
+          </p:grpSpPr>
+          <p:pic>
+            <p:nvPicPr>
+              <p:cNvPr id="5" name="תמונה 4">
+                <a:extLst>
+                  <a:ext uri="{FF2B5EF4-FFF2-40B4-BE49-F238E27FC236}">
+                    <a16:creationId xmlns:a16="http://schemas.microsoft.com/office/drawing/2014/main" id="{DA918656-CCED-433D-6F23-F808BFFD69DC}"/>
+                  </a:ext>
+                </a:extLst>
+              </p:cNvPr>
+              <p:cNvPicPr>
+                <a:picLocks noChangeAspect="1"/>
+              </p:cNvPicPr>
+              <p:nvPr/>
+            </p:nvPicPr>
+            <p:blipFill rotWithShape="1">
+              <a:blip r:embed="rId2">
+                <a:duotone>
+                  <a:prstClr val="black"/>
+                  <a:srgbClr val="FF4F4F">
+                    <a:tint val="45000"/>
+                    <a:satMod val="400000"/>
+                  </a:srgbClr>
+                </a:duotone>
+                <a:extLst>
+                  <a:ext uri="{BEBA8EAE-BF5A-486C-A8C5-ECC9F3942E4B}">
+                    <a14:imgProps xmlns:a14="http://schemas.microsoft.com/office/drawing/2010/main">
+                      <a14:imgLayer r:embed="rId3">
+                        <a14:imgEffect>
+                          <a14:brightnessContrast bright="40000" contrast="-40000"/>
+                        </a14:imgEffect>
+                      </a14:imgLayer>
+                    </a14:imgProps>
+                  </a:ext>
+                  <a:ext uri="{28A0092B-C50C-407E-A947-70E740481C1C}">
+                    <a14:useLocalDpi xmlns:a14="http://schemas.microsoft.com/office/drawing/2010/main" val="0"/>
+                  </a:ext>
+                </a:extLst>
+              </a:blip>
+              <a:srcRect b="78670"/>
+              <a:stretch/>
+            </p:blipFill>
+            <p:spPr>
+              <a:xfrm>
+                <a:off x="-1" y="834769"/>
+                <a:ext cx="11756571" cy="1171314"/>
+              </a:xfrm>
+              <a:prstGeom prst="rect">
+                <a:avLst/>
+              </a:prstGeom>
+            </p:spPr>
+          </p:pic>
+          <p:pic>
+            <p:nvPicPr>
+              <p:cNvPr id="17" name="תמונה 16" descr="תמונה שמכילה טקסט, שלט, מד, אוסף תמונות&#10;&#10;התיאור נוצר באופן אוטומטי">
+                <a:extLst>
+                  <a:ext uri="{FF2B5EF4-FFF2-40B4-BE49-F238E27FC236}">
+                    <a16:creationId xmlns:a16="http://schemas.microsoft.com/office/drawing/2014/main" id="{E6ED2783-B7A5-F31C-D37B-FF2DD9E19996}"/>
+                  </a:ext>
+                </a:extLst>
+              </p:cNvPr>
+              <p:cNvPicPr>
+                <a:picLocks noChangeAspect="1"/>
+              </p:cNvPicPr>
+              <p:nvPr/>
+            </p:nvPicPr>
+            <p:blipFill>
+              <a:blip r:embed="rId4">
+                <a:extLst>
+                  <a:ext uri="{28A0092B-C50C-407E-A947-70E740481C1C}">
+                    <a14:useLocalDpi xmlns:a14="http://schemas.microsoft.com/office/drawing/2010/main" val="0"/>
+                  </a:ext>
+                </a:extLst>
+              </a:blip>
+              <a:stretch>
+                <a:fillRect/>
+              </a:stretch>
+            </p:blipFill>
+            <p:spPr>
+              <a:xfrm>
+                <a:off x="407359" y="953407"/>
+                <a:ext cx="3356451" cy="877230"/>
+              </a:xfrm>
+              <a:prstGeom prst="rect">
+                <a:avLst/>
+              </a:prstGeom>
+            </p:spPr>
+          </p:pic>
+          <p:sp>
+            <p:nvSpPr>
+              <p:cNvPr id="7" name="תיבת טקסט 6">
+                <a:extLst>
+                  <a:ext uri="{FF2B5EF4-FFF2-40B4-BE49-F238E27FC236}">
+                    <a16:creationId xmlns:a16="http://schemas.microsoft.com/office/drawing/2014/main" id="{ED3C0E08-812E-E9A5-45A6-69ADD9025D8B}"/>
+                  </a:ext>
+                </a:extLst>
+              </p:cNvPr>
+              <p:cNvSpPr txBox="1"/>
+              <p:nvPr/>
+            </p:nvSpPr>
+            <p:spPr>
+              <a:xfrm>
+                <a:off x="8344132" y="1068857"/>
+                <a:ext cx="2698142" cy="646331"/>
+              </a:xfrm>
+              <a:prstGeom prst="rect">
+                <a:avLst/>
+              </a:prstGeom>
+              <a:noFill/>
+            </p:spPr>
+            <p:txBody>
+              <a:bodyPr wrap="square" rtlCol="1">
+                <a:spAutoFit/>
+              </a:bodyPr>
+              <a:lstStyle/>
+              <a:p>
+                <a:pPr algn="l" rtl="0"/>
+                <a:r>
+                  <a:rPr lang="en-US" b="1" dirty="0">
+                    <a:solidFill>
+                      <a:srgbClr val="F6A2AE"/>
+                    </a:solidFill>
+                    <a:latin typeface="Segoe Print" panose="02000600000000000000" pitchFamily="2" charset="0"/>
+                  </a:rPr>
+                  <a:t>Shiri Itach</a:t>
+                </a:r>
+              </a:p>
+              <a:p>
+                <a:pPr algn="l" rtl="0"/>
+                <a:r>
+                  <a:rPr lang="en-US" b="1" dirty="0">
+                    <a:solidFill>
+                      <a:srgbClr val="F6A2AE"/>
+                    </a:solidFill>
+                    <a:latin typeface="Segoe Print" panose="02000600000000000000" pitchFamily="2" charset="0"/>
+                  </a:rPr>
+                  <a:t>Noam Cohen Maguri </a:t>
+                </a:r>
+                <a:endParaRPr lang="he-IL" b="1" dirty="0">
+                  <a:solidFill>
+                    <a:srgbClr val="F6A2AE"/>
+                  </a:solidFill>
+                </a:endParaRPr>
+              </a:p>
+            </p:txBody>
+          </p:sp>
+        </p:grpSp>
+        <p:sp>
+          <p:nvSpPr>
+            <p:cNvPr id="19" name="תיבת טקסט 18">
+              <a:extLst>
+                <a:ext uri="{FF2B5EF4-FFF2-40B4-BE49-F238E27FC236}">
+                  <a16:creationId xmlns:a16="http://schemas.microsoft.com/office/drawing/2014/main" id="{C4034E0D-E3A2-052C-E1A1-0DC3DEECFE95}"/>
+                </a:ext>
+              </a:extLst>
+            </p:cNvPr>
+            <p:cNvSpPr txBox="1"/>
+            <p:nvPr/>
+          </p:nvSpPr>
+          <p:spPr>
+            <a:xfrm>
+              <a:off x="7806060" y="1022204"/>
+              <a:ext cx="808829" cy="646331"/>
+            </a:xfrm>
+            <a:prstGeom prst="rect">
+              <a:avLst/>
+            </a:prstGeom>
+            <a:noFill/>
+          </p:spPr>
+          <p:txBody>
+            <a:bodyPr wrap="square">
+              <a:spAutoFit/>
+            </a:bodyPr>
+            <a:lstStyle/>
+            <a:p>
+              <a:r>
+                <a:rPr lang="he-IL" sz="3600" b="1" dirty="0">
+                  <a:solidFill>
+                    <a:srgbClr val="F6A2AE"/>
+                  </a:solidFill>
+                </a:rPr>
+                <a:t>©</a:t>
+              </a:r>
+              <a:endParaRPr lang="he-IL" dirty="0"/>
+            </a:p>
+          </p:txBody>
+        </p:sp>
+      </p:grpSp>
+      <p:pic>
+        <p:nvPicPr>
+          <p:cNvPr id="21" name="תמונה 20">
+            <a:extLst>
+              <a:ext uri="{FF2B5EF4-FFF2-40B4-BE49-F238E27FC236}">
+                <a16:creationId xmlns:a16="http://schemas.microsoft.com/office/drawing/2014/main" id="{02D4BEF3-28DA-CE16-0CE2-8EF124A165AC}"/>
+              </a:ext>
+            </a:extLst>
+          </p:cNvPr>
+          <p:cNvPicPr>
+            <a:picLocks noChangeAspect="1"/>
+          </p:cNvPicPr>
+          <p:nvPr/>
+        </p:nvPicPr>
+        <p:blipFill rotWithShape="1">
+          <a:blip r:embed="rId2">
+            <a:duotone>
+              <a:prstClr val="black"/>
+              <a:srgbClr val="FF4F4F">
+                <a:tint val="45000"/>
+                <a:satMod val="400000"/>
+              </a:srgbClr>
+            </a:duotone>
+            <a:extLst>
+              <a:ext uri="{BEBA8EAE-BF5A-486C-A8C5-ECC9F3942E4B}">
+                <a14:imgProps xmlns:a14="http://schemas.microsoft.com/office/drawing/2010/main">
+                  <a14:imgLayer r:embed="rId3">
+                    <a14:imgEffect>
+                      <a14:brightnessContrast bright="40000" contrast="-40000"/>
+                    </a14:imgEffect>
+                  </a14:imgLayer>
+                </a14:imgProps>
+              </a:ext>
+              <a:ext uri="{28A0092B-C50C-407E-A947-70E740481C1C}">
+                <a14:useLocalDpi xmlns:a14="http://schemas.microsoft.com/office/drawing/2010/main" val="0"/>
+              </a:ext>
+            </a:extLst>
+          </a:blip>
+          <a:srcRect b="78670"/>
+          <a:stretch/>
+        </p:blipFill>
+        <p:spPr>
+          <a:xfrm>
+            <a:off x="295469" y="3235846"/>
+            <a:ext cx="11756571" cy="1171314"/>
+          </a:xfrm>
+          <a:prstGeom prst="rect">
+            <a:avLst/>
+          </a:prstGeom>
+        </p:spPr>
+      </p:pic>
+      <p:pic>
+        <p:nvPicPr>
+          <p:cNvPr id="22" name="תמונה 21" descr="תמונה שמכילה טקסט, שלט, מד, אוסף תמונות&#10;&#10;התיאור נוצר באופן אוטומטי">
+            <a:extLst>
+              <a:ext uri="{FF2B5EF4-FFF2-40B4-BE49-F238E27FC236}">
+                <a16:creationId xmlns:a16="http://schemas.microsoft.com/office/drawing/2014/main" id="{83EA91AA-5105-98AC-2649-2262A1F22E7F}"/>
+              </a:ext>
+            </a:extLst>
+          </p:cNvPr>
+          <p:cNvPicPr>
+            <a:picLocks noChangeAspect="1"/>
+          </p:cNvPicPr>
+          <p:nvPr/>
+        </p:nvPicPr>
+        <p:blipFill>
+          <a:blip r:embed="rId4">
+            <a:extLst>
+              <a:ext uri="{28A0092B-C50C-407E-A947-70E740481C1C}">
+                <a14:useLocalDpi xmlns:a14="http://schemas.microsoft.com/office/drawing/2010/main" val="0"/>
+              </a:ext>
+            </a:extLst>
+          </a:blip>
+          <a:stretch>
+            <a:fillRect/>
+          </a:stretch>
+        </p:blipFill>
+        <p:spPr>
+          <a:xfrm>
+            <a:off x="749482" y="2159023"/>
+            <a:ext cx="3356451" cy="877230"/>
+          </a:xfrm>
+          <a:prstGeom prst="rect">
+            <a:avLst/>
+          </a:prstGeom>
+        </p:spPr>
+      </p:pic>
+      <p:grpSp>
+        <p:nvGrpSpPr>
+          <p:cNvPr id="25" name="קבוצה 24">
+            <a:extLst>
+              <a:ext uri="{FF2B5EF4-FFF2-40B4-BE49-F238E27FC236}">
+                <a16:creationId xmlns:a16="http://schemas.microsoft.com/office/drawing/2014/main" id="{404B666E-F1EC-D6AC-F8D8-A4345E495CF0}"/>
+              </a:ext>
+            </a:extLst>
+          </p:cNvPr>
+          <p:cNvGrpSpPr/>
+          <p:nvPr/>
+        </p:nvGrpSpPr>
+        <p:grpSpPr>
+          <a:xfrm>
+            <a:off x="8182395" y="2298620"/>
+            <a:ext cx="3453929" cy="646331"/>
+            <a:chOff x="8182395" y="2298620"/>
+            <a:chExt cx="3453929" cy="646331"/>
+          </a:xfrm>
+        </p:grpSpPr>
+        <p:sp>
+          <p:nvSpPr>
+            <p:cNvPr id="23" name="תיבת טקסט 22">
+              <a:extLst>
+                <a:ext uri="{FF2B5EF4-FFF2-40B4-BE49-F238E27FC236}">
+                  <a16:creationId xmlns:a16="http://schemas.microsoft.com/office/drawing/2014/main" id="{CAE57B05-887C-D137-6C6D-EF18FDC3CE57}"/>
+                </a:ext>
+              </a:extLst>
+            </p:cNvPr>
+            <p:cNvSpPr txBox="1"/>
+            <p:nvPr/>
+          </p:nvSpPr>
+          <p:spPr>
+            <a:xfrm>
+              <a:off x="8938182" y="2298620"/>
+              <a:ext cx="2698142" cy="646331"/>
+            </a:xfrm>
+            <a:prstGeom prst="rect">
+              <a:avLst/>
+            </a:prstGeom>
+            <a:noFill/>
+          </p:spPr>
+          <p:txBody>
+            <a:bodyPr wrap="square" rtlCol="1">
+              <a:spAutoFit/>
+            </a:bodyPr>
+            <a:lstStyle/>
+            <a:p>
+              <a:pPr algn="l" rtl="0"/>
+              <a:r>
+                <a:rPr lang="en-US" b="1" dirty="0">
+                  <a:solidFill>
+                    <a:srgbClr val="F6A2AE"/>
+                  </a:solidFill>
+                  <a:latin typeface="Segoe Print" panose="02000600000000000000" pitchFamily="2" charset="0"/>
+                </a:rPr>
+                <a:t>Shiri Itach</a:t>
+              </a:r>
+            </a:p>
+            <a:p>
+              <a:pPr algn="l" rtl="0"/>
+              <a:r>
+                <a:rPr lang="en-US" b="1" dirty="0">
+                  <a:solidFill>
+                    <a:srgbClr val="F6A2AE"/>
+                  </a:solidFill>
+                  <a:latin typeface="Segoe Print" panose="02000600000000000000" pitchFamily="2" charset="0"/>
+                </a:rPr>
+                <a:t>Noam Cohen Maguri </a:t>
+              </a:r>
+              <a:endParaRPr lang="he-IL" b="1" dirty="0">
+                <a:solidFill>
+                  <a:srgbClr val="F6A2AE"/>
+                </a:solidFill>
+              </a:endParaRPr>
+            </a:p>
+          </p:txBody>
+        </p:sp>
+        <p:sp>
+          <p:nvSpPr>
+            <p:cNvPr id="24" name="תיבת טקסט 23">
+              <a:extLst>
+                <a:ext uri="{FF2B5EF4-FFF2-40B4-BE49-F238E27FC236}">
+                  <a16:creationId xmlns:a16="http://schemas.microsoft.com/office/drawing/2014/main" id="{821E1E4A-098B-D260-4941-75DC6A654B3C}"/>
+                </a:ext>
+              </a:extLst>
+            </p:cNvPr>
+            <p:cNvSpPr txBox="1"/>
+            <p:nvPr/>
+          </p:nvSpPr>
+          <p:spPr>
+            <a:xfrm>
+              <a:off x="8182395" y="2298620"/>
+              <a:ext cx="808829" cy="646331"/>
+            </a:xfrm>
+            <a:prstGeom prst="rect">
+              <a:avLst/>
+            </a:prstGeom>
+            <a:noFill/>
+          </p:spPr>
+          <p:txBody>
+            <a:bodyPr wrap="square">
+              <a:spAutoFit/>
+            </a:bodyPr>
+            <a:lstStyle/>
+            <a:p>
+              <a:r>
+                <a:rPr lang="he-IL" sz="3600" b="1" dirty="0">
+                  <a:solidFill>
+                    <a:srgbClr val="F6A2AE"/>
+                  </a:solidFill>
+                </a:rPr>
+                <a:t>©</a:t>
+              </a:r>
+              <a:endParaRPr lang="he-IL" dirty="0"/>
+            </a:p>
+          </p:txBody>
+        </p:sp>
+      </p:grpSp>
+    </p:spTree>
+    <p:extLst>
+      <p:ext uri="{BB962C8B-B14F-4D97-AF65-F5344CB8AC3E}">
+        <p14:creationId xmlns:p14="http://schemas.microsoft.com/office/powerpoint/2010/main" val="1409842176"/>
+      </p:ext>
+    </p:extLst>
+  </p:cSld>
+  <p:clrMapOvr>
+    <a:masterClrMapping/>
+  </p:clrMapOvr>
+</p:sld>
+</file>
+
+<file path=ppt/slides/slide4.xml><?xml version="1.0" encoding="utf-8"?>
+<p:sld xmlns:a="http://schemas.openxmlformats.org/drawingml/2006/main" xmlns:r="http://schemas.openxmlformats.org/officeDocument/2006/relationships" xmlns:p="http://schemas.openxmlformats.org/presentationml/2006/main">
+  <p:cSld>
+    <p:spTree>
+      <p:nvGrpSpPr>
+        <p:cNvPr id="1" name=""/>
+        <p:cNvGrpSpPr/>
+        <p:nvPr/>
+      </p:nvGrpSpPr>
+      <p:grpSpPr>
+        <a:xfrm>
+          <a:off x="0" y="0"/>
+          <a:ext cx="0" cy="0"/>
+          <a:chOff x="0" y="0"/>
+          <a:chExt cx="0" cy="0"/>
+        </a:xfrm>
+      </p:grpSpPr>
+      <p:pic>
+        <p:nvPicPr>
+          <p:cNvPr id="5" name="תמונה 4">
+            <a:extLst>
+              <a:ext uri="{FF2B5EF4-FFF2-40B4-BE49-F238E27FC236}">
+                <a16:creationId xmlns:a16="http://schemas.microsoft.com/office/drawing/2014/main" id="{82774C64-422F-3B83-2073-AF8FBE8C1398}"/>
+              </a:ext>
+            </a:extLst>
+          </p:cNvPr>
+          <p:cNvPicPr>
+            <a:picLocks noChangeAspect="1"/>
+          </p:cNvPicPr>
+          <p:nvPr/>
+        </p:nvPicPr>
+        <p:blipFill>
+          <a:blip r:embed="rId2">
+            <a:lum bright="70000" contrast="-70000"/>
+            <a:extLst>
+              <a:ext uri="{28A0092B-C50C-407E-A947-70E740481C1C}">
+                <a14:useLocalDpi xmlns:a14="http://schemas.microsoft.com/office/drawing/2010/main" val="0"/>
+              </a:ext>
+            </a:extLst>
+          </a:blip>
+          <a:stretch>
+            <a:fillRect/>
+          </a:stretch>
+        </p:blipFill>
+        <p:spPr>
+          <a:xfrm>
+            <a:off x="2721347" y="1928603"/>
+            <a:ext cx="3772426" cy="3019846"/>
+          </a:xfrm>
+          <a:prstGeom prst="rect">
+            <a:avLst/>
+          </a:prstGeom>
+        </p:spPr>
+      </p:pic>
+      <p:pic>
+        <p:nvPicPr>
+          <p:cNvPr id="7" name="תמונה 6">
+            <a:extLst>
+              <a:ext uri="{FF2B5EF4-FFF2-40B4-BE49-F238E27FC236}">
+                <a16:creationId xmlns:a16="http://schemas.microsoft.com/office/drawing/2014/main" id="{10AEDA24-5057-26AD-1A22-0ECBE8CEAB8B}"/>
+              </a:ext>
+            </a:extLst>
+          </p:cNvPr>
+          <p:cNvPicPr>
+            <a:picLocks noChangeAspect="1"/>
+          </p:cNvPicPr>
+          <p:nvPr/>
+        </p:nvPicPr>
+        <p:blipFill>
+          <a:blip r:embed="rId3">
+            <a:lum bright="70000" contrast="-70000"/>
+            <a:extLst>
+              <a:ext uri="{28A0092B-C50C-407E-A947-70E740481C1C}">
+                <a14:useLocalDpi xmlns:a14="http://schemas.microsoft.com/office/drawing/2010/main" val="0"/>
+              </a:ext>
+            </a:extLst>
+          </a:blip>
+          <a:stretch>
+            <a:fillRect/>
+          </a:stretch>
+        </p:blipFill>
+        <p:spPr>
+          <a:xfrm>
+            <a:off x="4717787" y="1928603"/>
+            <a:ext cx="3753374" cy="3000794"/>
+          </a:xfrm>
+          <a:prstGeom prst="rect">
+            <a:avLst/>
+          </a:prstGeom>
+        </p:spPr>
+      </p:pic>
+    </p:spTree>
+    <p:extLst>
+      <p:ext uri="{BB962C8B-B14F-4D97-AF65-F5344CB8AC3E}">
+        <p14:creationId xmlns:p14="http://schemas.microsoft.com/office/powerpoint/2010/main" val="87760415"/>
       </p:ext>
     </p:extLst>
   </p:cSld>
